--- a/Unified Mentor Amazon Sales.pptx
+++ b/Unified Mentor Amazon Sales.pptx
@@ -113,6 +113,11 @@
       </a:defRPr>
     </a:lvl9pPr>
   </p:defaultTextStyle>
+  <p:extLst>
+    <p:ext uri="{EFAFB233-063F-42B5-8137-9DF3F51BA10A}">
+      <p15:sldGuideLst xmlns:p15="http://schemas.microsoft.com/office/powerpoint/2012/main"/>
+    </p:ext>
+  </p:extLst>
 </p:presentation>
 </file>
 
@@ -304,7 +309,7 @@
           <a:p>
             <a:fld id="{E330E9B1-BA4F-4B06-9A6E-BEEAF238F0C6}" type="datetimeFigureOut">
               <a:rPr lang="en-IN" smtClean="0"/>
-              <a:t>31-07-2024</a:t>
+              <a:t>10-08-2024</a:t>
             </a:fld>
             <a:endParaRPr lang="en-IN"/>
           </a:p>
@@ -642,7 +647,7 @@
           <a:p>
             <a:fld id="{E330E9B1-BA4F-4B06-9A6E-BEEAF238F0C6}" type="datetimeFigureOut">
               <a:rPr lang="en-IN" smtClean="0"/>
-              <a:t>31-07-2024</a:t>
+              <a:t>10-08-2024</a:t>
             </a:fld>
             <a:endParaRPr lang="en-IN"/>
           </a:p>
@@ -1043,7 +1048,7 @@
           <a:p>
             <a:fld id="{E330E9B1-BA4F-4B06-9A6E-BEEAF238F0C6}" type="datetimeFigureOut">
               <a:rPr lang="en-IN" smtClean="0"/>
-              <a:t>31-07-2024</a:t>
+              <a:t>10-08-2024</a:t>
             </a:fld>
             <a:endParaRPr lang="en-IN"/>
           </a:p>
@@ -1379,7 +1384,7 @@
           <a:p>
             <a:fld id="{E330E9B1-BA4F-4B06-9A6E-BEEAF238F0C6}" type="datetimeFigureOut">
               <a:rPr lang="en-IN" smtClean="0"/>
-              <a:t>31-07-2024</a:t>
+              <a:t>10-08-2024</a:t>
             </a:fld>
             <a:endParaRPr lang="en-IN"/>
           </a:p>
@@ -1699,7 +1704,7 @@
           <a:p>
             <a:fld id="{E330E9B1-BA4F-4B06-9A6E-BEEAF238F0C6}" type="datetimeFigureOut">
               <a:rPr lang="en-IN" smtClean="0"/>
-              <a:t>31-07-2024</a:t>
+              <a:t>10-08-2024</a:t>
             </a:fld>
             <a:endParaRPr lang="en-IN"/>
           </a:p>
@@ -2095,7 +2100,7 @@
           <a:p>
             <a:fld id="{E330E9B1-BA4F-4B06-9A6E-BEEAF238F0C6}" type="datetimeFigureOut">
               <a:rPr lang="en-IN" smtClean="0"/>
-              <a:t>31-07-2024</a:t>
+              <a:t>10-08-2024</a:t>
             </a:fld>
             <a:endParaRPr lang="en-IN"/>
           </a:p>
@@ -2352,7 +2357,7 @@
           <a:p>
             <a:fld id="{E330E9B1-BA4F-4B06-9A6E-BEEAF238F0C6}" type="datetimeFigureOut">
               <a:rPr lang="en-IN" smtClean="0"/>
-              <a:t>31-07-2024</a:t>
+              <a:t>10-08-2024</a:t>
             </a:fld>
             <a:endParaRPr lang="en-IN"/>
           </a:p>
@@ -2614,7 +2619,7 @@
           <a:p>
             <a:fld id="{E330E9B1-BA4F-4B06-9A6E-BEEAF238F0C6}" type="datetimeFigureOut">
               <a:rPr lang="en-IN" smtClean="0"/>
-              <a:t>31-07-2024</a:t>
+              <a:t>10-08-2024</a:t>
             </a:fld>
             <a:endParaRPr lang="en-IN"/>
           </a:p>
@@ -2876,7 +2881,7 @@
           <a:p>
             <a:fld id="{E330E9B1-BA4F-4B06-9A6E-BEEAF238F0C6}" type="datetimeFigureOut">
               <a:rPr lang="en-IN" smtClean="0"/>
-              <a:t>31-07-2024</a:t>
+              <a:t>10-08-2024</a:t>
             </a:fld>
             <a:endParaRPr lang="en-IN"/>
           </a:p>
@@ -3205,7 +3210,7 @@
           <a:p>
             <a:fld id="{E330E9B1-BA4F-4B06-9A6E-BEEAF238F0C6}" type="datetimeFigureOut">
               <a:rPr lang="en-IN" smtClean="0"/>
-              <a:t>31-07-2024</a:t>
+              <a:t>10-08-2024</a:t>
             </a:fld>
             <a:endParaRPr lang="en-IN"/>
           </a:p>
@@ -3528,7 +3533,7 @@
           <a:p>
             <a:fld id="{E330E9B1-BA4F-4B06-9A6E-BEEAF238F0C6}" type="datetimeFigureOut">
               <a:rPr lang="en-IN" smtClean="0"/>
-              <a:t>31-07-2024</a:t>
+              <a:t>10-08-2024</a:t>
             </a:fld>
             <a:endParaRPr lang="en-IN"/>
           </a:p>
@@ -3985,7 +3990,7 @@
           <a:p>
             <a:fld id="{E330E9B1-BA4F-4B06-9A6E-BEEAF238F0C6}" type="datetimeFigureOut">
               <a:rPr lang="en-IN" smtClean="0"/>
-              <a:t>31-07-2024</a:t>
+              <a:t>10-08-2024</a:t>
             </a:fld>
             <a:endParaRPr lang="en-IN"/>
           </a:p>
@@ -4190,7 +4195,7 @@
           <a:p>
             <a:fld id="{E330E9B1-BA4F-4B06-9A6E-BEEAF238F0C6}" type="datetimeFigureOut">
               <a:rPr lang="en-IN" smtClean="0"/>
-              <a:t>31-07-2024</a:t>
+              <a:t>10-08-2024</a:t>
             </a:fld>
             <a:endParaRPr lang="en-IN"/>
           </a:p>
@@ -4367,7 +4372,7 @@
           <a:p>
             <a:fld id="{E330E9B1-BA4F-4B06-9A6E-BEEAF238F0C6}" type="datetimeFigureOut">
               <a:rPr lang="en-IN" smtClean="0"/>
-              <a:t>31-07-2024</a:t>
+              <a:t>10-08-2024</a:t>
             </a:fld>
             <a:endParaRPr lang="en-IN"/>
           </a:p>
@@ -4700,7 +4705,7 @@
           <a:p>
             <a:fld id="{E330E9B1-BA4F-4B06-9A6E-BEEAF238F0C6}" type="datetimeFigureOut">
               <a:rPr lang="en-IN" smtClean="0"/>
-              <a:t>31-07-2024</a:t>
+              <a:t>10-08-2024</a:t>
             </a:fld>
             <a:endParaRPr lang="en-IN"/>
           </a:p>
@@ -5045,7 +5050,7 @@
           <a:p>
             <a:fld id="{E330E9B1-BA4F-4B06-9A6E-BEEAF238F0C6}" type="datetimeFigureOut">
               <a:rPr lang="en-IN" smtClean="0"/>
-              <a:t>31-07-2024</a:t>
+              <a:t>10-08-2024</a:t>
             </a:fld>
             <a:endParaRPr lang="en-IN"/>
           </a:p>
@@ -7162,7 +7167,7 @@
           <a:p>
             <a:fld id="{E330E9B1-BA4F-4B06-9A6E-BEEAF238F0C6}" type="datetimeFigureOut">
               <a:rPr lang="en-IN" smtClean="0"/>
-              <a:t>31-07-2024</a:t>
+              <a:t>10-08-2024</a:t>
             </a:fld>
             <a:endParaRPr lang="en-IN"/>
           </a:p>
@@ -7854,19 +7859,16 @@
           <a:p>
             <a:pPr algn="ctr"/>
             <a:r>
-              <a:rPr lang="en-US" sz="8000" b="1" cap="none" spc="0" dirty="0">
-                <a:ln w="6600">
-                  <a:solidFill>
-                    <a:schemeClr val="accent2"/>
-                  </a:solidFill>
-                  <a:prstDash val="solid"/>
-                </a:ln>
+              <a:rPr lang="en-US" sz="8000" dirty="0">
+                <a:ln w="0"/>
                 <a:solidFill>
-                  <a:srgbClr val="FFFFFF"/>
+                  <a:schemeClr val="accent1"/>
                 </a:solidFill>
                 <a:effectLst>
-                  <a:outerShdw dist="38100" dir="2700000" algn="tl" rotWithShape="0">
-                    <a:schemeClr val="accent2"/>
+                  <a:outerShdw blurRad="38100" dist="25400" dir="5400000" algn="ctr" rotWithShape="0">
+                    <a:srgbClr val="6E747A">
+                      <a:alpha val="43000"/>
+                    </a:srgbClr>
                   </a:outerShdw>
                 </a:effectLst>
               </a:rPr>
